--- a/DataCamp/statistical-thinking-in-python-part-1/statistical-thinking-in-python-part-1.pptx
+++ b/DataCamp/statistical-thinking-in-python-part-1/statistical-thinking-in-python-part-1.pptx
@@ -9,8 +9,9 @@
     <p:sldId id="260" r:id="rId3"/>
     <p:sldId id="261" r:id="rId4"/>
     <p:sldId id="257" r:id="rId5"/>
-    <p:sldId id="258" r:id="rId6"/>
-    <p:sldId id="259" r:id="rId7"/>
+    <p:sldId id="262" r:id="rId6"/>
+    <p:sldId id="258" r:id="rId7"/>
+    <p:sldId id="259" r:id="rId8"/>
   </p:sldIdLst>
   <p:sldSz cx="12192000" cy="6858000"/>
   <p:notesSz cx="6858000" cy="9144000"/>
@@ -109,7 +110,41 @@
       </a:defRPr>
     </a:lvl9pPr>
   </p:defaultTextStyle>
+  <p:extLst>
+    <p:ext uri="{EFAFB233-063F-42B5-8137-9DF3F51BA10A}">
+      <p15:sldGuideLst xmlns:p15="http://schemas.microsoft.com/office/powerpoint/2012/main"/>
+    </p:ext>
+  </p:extLst>
 </p:presentation>
+</file>
+
+<file path=ppt/revisionInfo.xml><?xml version="1.0" encoding="utf-8"?>
+<p1510:revInfo xmlns:a="http://schemas.openxmlformats.org/drawingml/2006/main" xmlns:r="http://schemas.openxmlformats.org/officeDocument/2006/relationships" xmlns:p1510="http://schemas.microsoft.com/office/powerpoint/2015/10/main">
+  <p1510:revLst>
+    <p1510:client id="{553B8D23-23ED-448E-8F33-821A63F89114}" v="1" dt="2020-01-11T14:22:45.139"/>
+  </p1510:revLst>
+</p1510:revInfo>
+</file>
+
+<file path=ppt/changesInfos/changesInfo1.xml><?xml version="1.0" encoding="utf-8"?>
+<pc:chgInfo xmlns:a="http://schemas.openxmlformats.org/drawingml/2006/main" xmlns:r="http://schemas.openxmlformats.org/officeDocument/2006/relationships" xmlns:ac="http://schemas.microsoft.com/office/drawing/2013/main/command" xmlns:pc="http://schemas.microsoft.com/office/powerpoint/2013/main/command">
+  <pc:docChgLst>
+    <pc:chgData name="Nikhil Jathar" userId="7874bdcc0642262c" providerId="LiveId" clId="{553B8D23-23ED-448E-8F33-821A63F89114}"/>
+    <pc:docChg chg="addSld modSld">
+      <pc:chgData name="Nikhil Jathar" userId="7874bdcc0642262c" providerId="LiveId" clId="{553B8D23-23ED-448E-8F33-821A63F89114}" dt="2020-01-11T14:22:45.136" v="0"/>
+      <pc:docMkLst>
+        <pc:docMk/>
+      </pc:docMkLst>
+      <pc:sldChg chg="add">
+        <pc:chgData name="Nikhil Jathar" userId="7874bdcc0642262c" providerId="LiveId" clId="{553B8D23-23ED-448E-8F33-821A63F89114}" dt="2020-01-11T14:22:45.136" v="0"/>
+        <pc:sldMkLst>
+          <pc:docMk/>
+          <pc:sldMk cId="1979018576" sldId="262"/>
+        </pc:sldMkLst>
+      </pc:sldChg>
+    </pc:docChg>
+  </pc:docChgLst>
+</pc:chgInfo>
 </file>
 
 <file path=ppt/slideLayouts/slideLayout1.xml><?xml version="1.0" encoding="utf-8"?>
@@ -154,10 +189,9 @@
           </a:lstStyle>
           <a:p>
             <a:r>
-              <a:rPr lang="en-US" smtClean="0"/>
+              <a:rPr lang="en-US"/>
               <a:t>Click to edit Master title style</a:t>
             </a:r>
-            <a:endParaRPr lang="en-US"/>
           </a:p>
         </p:txBody>
       </p:sp>
@@ -219,10 +253,9 @@
           </a:lstStyle>
           <a:p>
             <a:r>
-              <a:rPr lang="en-US" smtClean="0"/>
+              <a:rPr lang="en-US"/>
               <a:t>Click to edit Master subtitle style</a:t>
             </a:r>
-            <a:endParaRPr lang="en-US"/>
           </a:p>
         </p:txBody>
       </p:sp>
@@ -243,7 +276,7 @@
           <a:p>
             <a:fld id="{3F38D15A-F605-4F31-AA0F-EBB1C1E46AF6}" type="datetimeFigureOut">
               <a:rPr lang="en-US" smtClean="0"/>
-              <a:t>1/9/2020</a:t>
+              <a:t>1/11/2020</a:t>
             </a:fld>
             <a:endParaRPr lang="en-US"/>
           </a:p>
@@ -337,10 +370,9 @@
           <a:lstStyle/>
           <a:p>
             <a:r>
-              <a:rPr lang="en-US" smtClean="0"/>
+              <a:rPr lang="en-US"/>
               <a:t>Click to edit Master title style</a:t>
             </a:r>
-            <a:endParaRPr lang="en-US"/>
           </a:p>
         </p:txBody>
       </p:sp>
@@ -361,38 +393,37 @@
           <a:p>
             <a:pPr lvl="0"/>
             <a:r>
-              <a:rPr lang="en-US" smtClean="0"/>
+              <a:rPr lang="en-US"/>
               <a:t>Edit Master text styles</a:t>
             </a:r>
           </a:p>
           <a:p>
             <a:pPr lvl="1"/>
             <a:r>
-              <a:rPr lang="en-US" smtClean="0"/>
+              <a:rPr lang="en-US"/>
               <a:t>Second level</a:t>
             </a:r>
           </a:p>
           <a:p>
             <a:pPr lvl="2"/>
             <a:r>
-              <a:rPr lang="en-US" smtClean="0"/>
+              <a:rPr lang="en-US"/>
               <a:t>Third level</a:t>
             </a:r>
           </a:p>
           <a:p>
             <a:pPr lvl="3"/>
             <a:r>
-              <a:rPr lang="en-US" smtClean="0"/>
+              <a:rPr lang="en-US"/>
               <a:t>Fourth level</a:t>
             </a:r>
           </a:p>
           <a:p>
             <a:pPr lvl="4"/>
             <a:r>
-              <a:rPr lang="en-US" smtClean="0"/>
+              <a:rPr lang="en-US"/>
               <a:t>Fifth level</a:t>
             </a:r>
-            <a:endParaRPr lang="en-US"/>
           </a:p>
         </p:txBody>
       </p:sp>
@@ -413,7 +444,7 @@
           <a:p>
             <a:fld id="{3F38D15A-F605-4F31-AA0F-EBB1C1E46AF6}" type="datetimeFigureOut">
               <a:rPr lang="en-US" smtClean="0"/>
-              <a:t>1/9/2020</a:t>
+              <a:t>1/11/2020</a:t>
             </a:fld>
             <a:endParaRPr lang="en-US"/>
           </a:p>
@@ -512,10 +543,9 @@
           <a:lstStyle/>
           <a:p>
             <a:r>
-              <a:rPr lang="en-US" smtClean="0"/>
+              <a:rPr lang="en-US"/>
               <a:t>Click to edit Master title style</a:t>
             </a:r>
-            <a:endParaRPr lang="en-US"/>
           </a:p>
         </p:txBody>
       </p:sp>
@@ -541,38 +571,37 @@
           <a:p>
             <a:pPr lvl="0"/>
             <a:r>
-              <a:rPr lang="en-US" smtClean="0"/>
+              <a:rPr lang="en-US"/>
               <a:t>Edit Master text styles</a:t>
             </a:r>
           </a:p>
           <a:p>
             <a:pPr lvl="1"/>
             <a:r>
-              <a:rPr lang="en-US" smtClean="0"/>
+              <a:rPr lang="en-US"/>
               <a:t>Second level</a:t>
             </a:r>
           </a:p>
           <a:p>
             <a:pPr lvl="2"/>
             <a:r>
-              <a:rPr lang="en-US" smtClean="0"/>
+              <a:rPr lang="en-US"/>
               <a:t>Third level</a:t>
             </a:r>
           </a:p>
           <a:p>
             <a:pPr lvl="3"/>
             <a:r>
-              <a:rPr lang="en-US" smtClean="0"/>
+              <a:rPr lang="en-US"/>
               <a:t>Fourth level</a:t>
             </a:r>
           </a:p>
           <a:p>
             <a:pPr lvl="4"/>
             <a:r>
-              <a:rPr lang="en-US" smtClean="0"/>
+              <a:rPr lang="en-US"/>
               <a:t>Fifth level</a:t>
             </a:r>
-            <a:endParaRPr lang="en-US"/>
           </a:p>
         </p:txBody>
       </p:sp>
@@ -593,7 +622,7 @@
           <a:p>
             <a:fld id="{3F38D15A-F605-4F31-AA0F-EBB1C1E46AF6}" type="datetimeFigureOut">
               <a:rPr lang="en-US" smtClean="0"/>
-              <a:t>1/9/2020</a:t>
+              <a:t>1/11/2020</a:t>
             </a:fld>
             <a:endParaRPr lang="en-US"/>
           </a:p>
@@ -687,10 +716,9 @@
           <a:lstStyle/>
           <a:p>
             <a:r>
-              <a:rPr lang="en-US" smtClean="0"/>
+              <a:rPr lang="en-US"/>
               <a:t>Click to edit Master title style</a:t>
             </a:r>
-            <a:endParaRPr lang="en-US"/>
           </a:p>
         </p:txBody>
       </p:sp>
@@ -711,38 +739,37 @@
           <a:p>
             <a:pPr lvl="0"/>
             <a:r>
-              <a:rPr lang="en-US" smtClean="0"/>
+              <a:rPr lang="en-US"/>
               <a:t>Edit Master text styles</a:t>
             </a:r>
           </a:p>
           <a:p>
             <a:pPr lvl="1"/>
             <a:r>
-              <a:rPr lang="en-US" smtClean="0"/>
+              <a:rPr lang="en-US"/>
               <a:t>Second level</a:t>
             </a:r>
           </a:p>
           <a:p>
             <a:pPr lvl="2"/>
             <a:r>
-              <a:rPr lang="en-US" smtClean="0"/>
+              <a:rPr lang="en-US"/>
               <a:t>Third level</a:t>
             </a:r>
           </a:p>
           <a:p>
             <a:pPr lvl="3"/>
             <a:r>
-              <a:rPr lang="en-US" smtClean="0"/>
+              <a:rPr lang="en-US"/>
               <a:t>Fourth level</a:t>
             </a:r>
           </a:p>
           <a:p>
             <a:pPr lvl="4"/>
             <a:r>
-              <a:rPr lang="en-US" smtClean="0"/>
+              <a:rPr lang="en-US"/>
               <a:t>Fifth level</a:t>
             </a:r>
-            <a:endParaRPr lang="en-US"/>
           </a:p>
         </p:txBody>
       </p:sp>
@@ -763,7 +790,7 @@
           <a:p>
             <a:fld id="{3F38D15A-F605-4F31-AA0F-EBB1C1E46AF6}" type="datetimeFigureOut">
               <a:rPr lang="en-US" smtClean="0"/>
-              <a:t>1/9/2020</a:t>
+              <a:t>1/11/2020</a:t>
             </a:fld>
             <a:endParaRPr lang="en-US"/>
           </a:p>
@@ -866,10 +893,9 @@
           </a:lstStyle>
           <a:p>
             <a:r>
-              <a:rPr lang="en-US" smtClean="0"/>
+              <a:rPr lang="en-US"/>
               <a:t>Click to edit Master title style</a:t>
             </a:r>
-            <a:endParaRPr lang="en-US"/>
           </a:p>
         </p:txBody>
       </p:sp>
@@ -986,7 +1012,7 @@
           <a:p>
             <a:pPr lvl="0"/>
             <a:r>
-              <a:rPr lang="en-US" smtClean="0"/>
+              <a:rPr lang="en-US"/>
               <a:t>Edit Master text styles</a:t>
             </a:r>
           </a:p>
@@ -1009,7 +1035,7 @@
           <a:p>
             <a:fld id="{3F38D15A-F605-4F31-AA0F-EBB1C1E46AF6}" type="datetimeFigureOut">
               <a:rPr lang="en-US" smtClean="0"/>
-              <a:t>1/9/2020</a:t>
+              <a:t>1/11/2020</a:t>
             </a:fld>
             <a:endParaRPr lang="en-US"/>
           </a:p>
@@ -1103,10 +1129,9 @@
           <a:lstStyle/>
           <a:p>
             <a:r>
-              <a:rPr lang="en-US" smtClean="0"/>
+              <a:rPr lang="en-US"/>
               <a:t>Click to edit Master title style</a:t>
             </a:r>
-            <a:endParaRPr lang="en-US"/>
           </a:p>
         </p:txBody>
       </p:sp>
@@ -1132,38 +1157,37 @@
           <a:p>
             <a:pPr lvl="0"/>
             <a:r>
-              <a:rPr lang="en-US" smtClean="0"/>
+              <a:rPr lang="en-US"/>
               <a:t>Edit Master text styles</a:t>
             </a:r>
           </a:p>
           <a:p>
             <a:pPr lvl="1"/>
             <a:r>
-              <a:rPr lang="en-US" smtClean="0"/>
+              <a:rPr lang="en-US"/>
               <a:t>Second level</a:t>
             </a:r>
           </a:p>
           <a:p>
             <a:pPr lvl="2"/>
             <a:r>
-              <a:rPr lang="en-US" smtClean="0"/>
+              <a:rPr lang="en-US"/>
               <a:t>Third level</a:t>
             </a:r>
           </a:p>
           <a:p>
             <a:pPr lvl="3"/>
             <a:r>
-              <a:rPr lang="en-US" smtClean="0"/>
+              <a:rPr lang="en-US"/>
               <a:t>Fourth level</a:t>
             </a:r>
           </a:p>
           <a:p>
             <a:pPr lvl="4"/>
             <a:r>
-              <a:rPr lang="en-US" smtClean="0"/>
+              <a:rPr lang="en-US"/>
               <a:t>Fifth level</a:t>
             </a:r>
-            <a:endParaRPr lang="en-US"/>
           </a:p>
         </p:txBody>
       </p:sp>
@@ -1189,38 +1213,37 @@
           <a:p>
             <a:pPr lvl="0"/>
             <a:r>
-              <a:rPr lang="en-US" smtClean="0"/>
+              <a:rPr lang="en-US"/>
               <a:t>Edit Master text styles</a:t>
             </a:r>
           </a:p>
           <a:p>
             <a:pPr lvl="1"/>
             <a:r>
-              <a:rPr lang="en-US" smtClean="0"/>
+              <a:rPr lang="en-US"/>
               <a:t>Second level</a:t>
             </a:r>
           </a:p>
           <a:p>
             <a:pPr lvl="2"/>
             <a:r>
-              <a:rPr lang="en-US" smtClean="0"/>
+              <a:rPr lang="en-US"/>
               <a:t>Third level</a:t>
             </a:r>
           </a:p>
           <a:p>
             <a:pPr lvl="3"/>
             <a:r>
-              <a:rPr lang="en-US" smtClean="0"/>
+              <a:rPr lang="en-US"/>
               <a:t>Fourth level</a:t>
             </a:r>
           </a:p>
           <a:p>
             <a:pPr lvl="4"/>
             <a:r>
-              <a:rPr lang="en-US" smtClean="0"/>
+              <a:rPr lang="en-US"/>
               <a:t>Fifth level</a:t>
             </a:r>
-            <a:endParaRPr lang="en-US"/>
           </a:p>
         </p:txBody>
       </p:sp>
@@ -1241,7 +1264,7 @@
           <a:p>
             <a:fld id="{3F38D15A-F605-4F31-AA0F-EBB1C1E46AF6}" type="datetimeFigureOut">
               <a:rPr lang="en-US" smtClean="0"/>
-              <a:t>1/9/2020</a:t>
+              <a:t>1/11/2020</a:t>
             </a:fld>
             <a:endParaRPr lang="en-US"/>
           </a:p>
@@ -1340,10 +1363,9 @@
           <a:lstStyle/>
           <a:p>
             <a:r>
-              <a:rPr lang="en-US" smtClean="0"/>
+              <a:rPr lang="en-US"/>
               <a:t>Click to edit Master title style</a:t>
             </a:r>
-            <a:endParaRPr lang="en-US"/>
           </a:p>
         </p:txBody>
       </p:sp>
@@ -1406,7 +1428,7 @@
           <a:p>
             <a:pPr lvl="0"/>
             <a:r>
-              <a:rPr lang="en-US" smtClean="0"/>
+              <a:rPr lang="en-US"/>
               <a:t>Edit Master text styles</a:t>
             </a:r>
           </a:p>
@@ -1434,38 +1456,37 @@
           <a:p>
             <a:pPr lvl="0"/>
             <a:r>
-              <a:rPr lang="en-US" smtClean="0"/>
+              <a:rPr lang="en-US"/>
               <a:t>Edit Master text styles</a:t>
             </a:r>
           </a:p>
           <a:p>
             <a:pPr lvl="1"/>
             <a:r>
-              <a:rPr lang="en-US" smtClean="0"/>
+              <a:rPr lang="en-US"/>
               <a:t>Second level</a:t>
             </a:r>
           </a:p>
           <a:p>
             <a:pPr lvl="2"/>
             <a:r>
-              <a:rPr lang="en-US" smtClean="0"/>
+              <a:rPr lang="en-US"/>
               <a:t>Third level</a:t>
             </a:r>
           </a:p>
           <a:p>
             <a:pPr lvl="3"/>
             <a:r>
-              <a:rPr lang="en-US" smtClean="0"/>
+              <a:rPr lang="en-US"/>
               <a:t>Fourth level</a:t>
             </a:r>
           </a:p>
           <a:p>
             <a:pPr lvl="4"/>
             <a:r>
-              <a:rPr lang="en-US" smtClean="0"/>
+              <a:rPr lang="en-US"/>
               <a:t>Fifth level</a:t>
             </a:r>
-            <a:endParaRPr lang="en-US"/>
           </a:p>
         </p:txBody>
       </p:sp>
@@ -1528,7 +1549,7 @@
           <a:p>
             <a:pPr lvl="0"/>
             <a:r>
-              <a:rPr lang="en-US" smtClean="0"/>
+              <a:rPr lang="en-US"/>
               <a:t>Edit Master text styles</a:t>
             </a:r>
           </a:p>
@@ -1556,38 +1577,37 @@
           <a:p>
             <a:pPr lvl="0"/>
             <a:r>
-              <a:rPr lang="en-US" smtClean="0"/>
+              <a:rPr lang="en-US"/>
               <a:t>Edit Master text styles</a:t>
             </a:r>
           </a:p>
           <a:p>
             <a:pPr lvl="1"/>
             <a:r>
-              <a:rPr lang="en-US" smtClean="0"/>
+              <a:rPr lang="en-US"/>
               <a:t>Second level</a:t>
             </a:r>
           </a:p>
           <a:p>
             <a:pPr lvl="2"/>
             <a:r>
-              <a:rPr lang="en-US" smtClean="0"/>
+              <a:rPr lang="en-US"/>
               <a:t>Third level</a:t>
             </a:r>
           </a:p>
           <a:p>
             <a:pPr lvl="3"/>
             <a:r>
-              <a:rPr lang="en-US" smtClean="0"/>
+              <a:rPr lang="en-US"/>
               <a:t>Fourth level</a:t>
             </a:r>
           </a:p>
           <a:p>
             <a:pPr lvl="4"/>
             <a:r>
-              <a:rPr lang="en-US" smtClean="0"/>
+              <a:rPr lang="en-US"/>
               <a:t>Fifth level</a:t>
             </a:r>
-            <a:endParaRPr lang="en-US"/>
           </a:p>
         </p:txBody>
       </p:sp>
@@ -1608,7 +1628,7 @@
           <a:p>
             <a:fld id="{3F38D15A-F605-4F31-AA0F-EBB1C1E46AF6}" type="datetimeFigureOut">
               <a:rPr lang="en-US" smtClean="0"/>
-              <a:t>1/9/2020</a:t>
+              <a:t>1/11/2020</a:t>
             </a:fld>
             <a:endParaRPr lang="en-US"/>
           </a:p>
@@ -1702,10 +1722,9 @@
           <a:lstStyle/>
           <a:p>
             <a:r>
-              <a:rPr lang="en-US" smtClean="0"/>
+              <a:rPr lang="en-US"/>
               <a:t>Click to edit Master title style</a:t>
             </a:r>
-            <a:endParaRPr lang="en-US"/>
           </a:p>
         </p:txBody>
       </p:sp>
@@ -1726,7 +1745,7 @@
           <a:p>
             <a:fld id="{3F38D15A-F605-4F31-AA0F-EBB1C1E46AF6}" type="datetimeFigureOut">
               <a:rPr lang="en-US" smtClean="0"/>
-              <a:t>1/9/2020</a:t>
+              <a:t>1/11/2020</a:t>
             </a:fld>
             <a:endParaRPr lang="en-US"/>
           </a:p>
@@ -1821,7 +1840,7 @@
           <a:p>
             <a:fld id="{3F38D15A-F605-4F31-AA0F-EBB1C1E46AF6}" type="datetimeFigureOut">
               <a:rPr lang="en-US" smtClean="0"/>
-              <a:t>1/9/2020</a:t>
+              <a:t>1/11/2020</a:t>
             </a:fld>
             <a:endParaRPr lang="en-US"/>
           </a:p>
@@ -1924,10 +1943,9 @@
           </a:lstStyle>
           <a:p>
             <a:r>
-              <a:rPr lang="en-US" smtClean="0"/>
+              <a:rPr lang="en-US"/>
               <a:t>Click to edit Master title style</a:t>
             </a:r>
-            <a:endParaRPr lang="en-US"/>
           </a:p>
         </p:txBody>
       </p:sp>
@@ -1981,38 +1999,37 @@
           <a:p>
             <a:pPr lvl="0"/>
             <a:r>
-              <a:rPr lang="en-US" smtClean="0"/>
+              <a:rPr lang="en-US"/>
               <a:t>Edit Master text styles</a:t>
             </a:r>
           </a:p>
           <a:p>
             <a:pPr lvl="1"/>
             <a:r>
-              <a:rPr lang="en-US" smtClean="0"/>
+              <a:rPr lang="en-US"/>
               <a:t>Second level</a:t>
             </a:r>
           </a:p>
           <a:p>
             <a:pPr lvl="2"/>
             <a:r>
-              <a:rPr lang="en-US" smtClean="0"/>
+              <a:rPr lang="en-US"/>
               <a:t>Third level</a:t>
             </a:r>
           </a:p>
           <a:p>
             <a:pPr lvl="3"/>
             <a:r>
-              <a:rPr lang="en-US" smtClean="0"/>
+              <a:rPr lang="en-US"/>
               <a:t>Fourth level</a:t>
             </a:r>
           </a:p>
           <a:p>
             <a:pPr lvl="4"/>
             <a:r>
-              <a:rPr lang="en-US" smtClean="0"/>
+              <a:rPr lang="en-US"/>
               <a:t>Fifth level</a:t>
             </a:r>
-            <a:endParaRPr lang="en-US"/>
           </a:p>
         </p:txBody>
       </p:sp>
@@ -2075,7 +2092,7 @@
           <a:p>
             <a:pPr lvl="0"/>
             <a:r>
-              <a:rPr lang="en-US" smtClean="0"/>
+              <a:rPr lang="en-US"/>
               <a:t>Edit Master text styles</a:t>
             </a:r>
           </a:p>
@@ -2098,7 +2115,7 @@
           <a:p>
             <a:fld id="{3F38D15A-F605-4F31-AA0F-EBB1C1E46AF6}" type="datetimeFigureOut">
               <a:rPr lang="en-US" smtClean="0"/>
-              <a:t>1/9/2020</a:t>
+              <a:t>1/11/2020</a:t>
             </a:fld>
             <a:endParaRPr lang="en-US"/>
           </a:p>
@@ -2201,10 +2218,9 @@
           </a:lstStyle>
           <a:p>
             <a:r>
-              <a:rPr lang="en-US" smtClean="0"/>
+              <a:rPr lang="en-US"/>
               <a:t>Click to edit Master title style</a:t>
             </a:r>
-            <a:endParaRPr lang="en-US"/>
           </a:p>
         </p:txBody>
       </p:sp>
@@ -2328,7 +2344,7 @@
           <a:p>
             <a:pPr lvl="0"/>
             <a:r>
-              <a:rPr lang="en-US" smtClean="0"/>
+              <a:rPr lang="en-US"/>
               <a:t>Edit Master text styles</a:t>
             </a:r>
           </a:p>
@@ -2351,7 +2367,7 @@
           <a:p>
             <a:fld id="{3F38D15A-F605-4F31-AA0F-EBB1C1E46AF6}" type="datetimeFigureOut">
               <a:rPr lang="en-US" smtClean="0"/>
-              <a:t>1/9/2020</a:t>
+              <a:t>1/11/2020</a:t>
             </a:fld>
             <a:endParaRPr lang="en-US"/>
           </a:p>
@@ -2460,10 +2476,9 @@
           <a:lstStyle/>
           <a:p>
             <a:r>
-              <a:rPr lang="en-US" smtClean="0"/>
+              <a:rPr lang="en-US"/>
               <a:t>Click to edit Master title style</a:t>
             </a:r>
-            <a:endParaRPr lang="en-US"/>
           </a:p>
         </p:txBody>
       </p:sp>
@@ -2494,38 +2509,37 @@
           <a:p>
             <a:pPr lvl="0"/>
             <a:r>
-              <a:rPr lang="en-US" smtClean="0"/>
+              <a:rPr lang="en-US"/>
               <a:t>Edit Master text styles</a:t>
             </a:r>
           </a:p>
           <a:p>
             <a:pPr lvl="1"/>
             <a:r>
-              <a:rPr lang="en-US" smtClean="0"/>
+              <a:rPr lang="en-US"/>
               <a:t>Second level</a:t>
             </a:r>
           </a:p>
           <a:p>
             <a:pPr lvl="2"/>
             <a:r>
-              <a:rPr lang="en-US" smtClean="0"/>
+              <a:rPr lang="en-US"/>
               <a:t>Third level</a:t>
             </a:r>
           </a:p>
           <a:p>
             <a:pPr lvl="3"/>
             <a:r>
-              <a:rPr lang="en-US" smtClean="0"/>
+              <a:rPr lang="en-US"/>
               <a:t>Fourth level</a:t>
             </a:r>
           </a:p>
           <a:p>
             <a:pPr lvl="4"/>
             <a:r>
-              <a:rPr lang="en-US" smtClean="0"/>
+              <a:rPr lang="en-US"/>
               <a:t>Fifth level</a:t>
             </a:r>
-            <a:endParaRPr lang="en-US"/>
           </a:p>
         </p:txBody>
       </p:sp>
@@ -2564,7 +2578,7 @@
           <a:p>
             <a:fld id="{3F38D15A-F605-4F31-AA0F-EBB1C1E46AF6}" type="datetimeFigureOut">
               <a:rPr lang="en-US" smtClean="0"/>
-              <a:t>1/9/2020</a:t>
+              <a:t>1/11/2020</a:t>
             </a:fld>
             <a:endParaRPr lang="en-US"/>
           </a:p>
@@ -2987,10 +3001,9 @@
           <a:lstStyle/>
           <a:p>
             <a:r>
-              <a:rPr lang="en-US" sz="5400" smtClean="0"/>
+              <a:rPr lang="en-US" sz="5400"/>
               <a:t>Statistical Thinking in Python (Part1)</a:t>
             </a:r>
-            <a:endParaRPr lang="en-US" sz="5400"/>
           </a:p>
         </p:txBody>
       </p:sp>
@@ -3010,10 +3023,9 @@
           <a:lstStyle/>
           <a:p>
             <a:r>
-              <a:rPr lang="en-US" smtClean="0"/>
+              <a:rPr lang="en-US"/>
               <a:t>Graphical Exploratory Data Analysis</a:t>
             </a:r>
-            <a:endParaRPr lang="en-US"/>
           </a:p>
         </p:txBody>
       </p:sp>
@@ -3070,7 +3082,7 @@
           <a:lstStyle/>
           <a:p>
             <a:r>
-              <a:rPr lang="en-US" sz="1600" b="1" smtClean="0"/>
+              <a:rPr lang="en-US" sz="1600" b="1"/>
               <a:t>Exploratory Data Analysis (EDA) – John Tukey c. 1977</a:t>
             </a:r>
           </a:p>
@@ -3080,7 +3092,7 @@
               <a:buChar char="•"/>
             </a:pPr>
             <a:r>
-              <a:rPr lang="en-US" sz="1400" smtClean="0"/>
+              <a:rPr lang="en-US" sz="1400"/>
               <a:t>Before diving into sophisticated statistical inference techniques, you should first explore your data by plotting it and computing simple summary statistics. This process, called exploratory data analysis, is a crucial first step in statistical analysis of data.</a:t>
             </a:r>
           </a:p>
@@ -3090,7 +3102,7 @@
               <a:buChar char="•"/>
             </a:pPr>
             <a:r>
-              <a:rPr lang="en-US" sz="1400" smtClean="0"/>
+              <a:rPr lang="en-US" sz="1400"/>
               <a:t>The process of organizing, plotting, and summarizing a data set.</a:t>
             </a:r>
           </a:p>
@@ -3164,13 +3176,13 @@
           <a:lstStyle/>
           <a:p>
             <a:r>
-              <a:rPr lang="en-US" sz="1000" smtClean="0">
+              <a:rPr lang="en-US" sz="1000">
                 <a:latin typeface="Bloomberg Prop Unicode D" panose="02000506040000020004" pitchFamily="2" charset="0"/>
               </a:rPr>
               <a:t>whos </a:t>
             </a:r>
             <a:r>
-              <a:rPr lang="en-US" sz="1000" smtClean="0">
+              <a:rPr lang="en-US" sz="1000">
                 <a:latin typeface="Bloomberg Prop Unicode D" panose="02000506040000020004" pitchFamily="2" charset="0"/>
                 <a:sym typeface="Wingdings" panose="05000000000000000000" pitchFamily="2" charset="2"/>
               </a:rPr>
@@ -3303,11 +3315,11 @@
           <a:lstStyle/>
           <a:p>
             <a:r>
-              <a:rPr lang="en-US" sz="1600" b="1" smtClean="0"/>
+              <a:rPr lang="en-US" sz="1600" b="1"/>
               <a:t>Binning Bias - </a:t>
             </a:r>
             <a:r>
-              <a:rPr lang="en-US" sz="1400" smtClean="0"/>
+              <a:rPr lang="en-US" sz="1400"/>
               <a:t>the same data may be interpreted differently depending on choices of bins.</a:t>
             </a:r>
           </a:p>
@@ -3601,10 +3613,9 @@
           <a:lstStyle/>
           <a:p>
             <a:r>
-              <a:rPr lang="en-US" sz="5400" smtClean="0"/>
+              <a:rPr lang="en-US" sz="5400"/>
               <a:t>Statistical Thinking in Python (Part1)</a:t>
             </a:r>
-            <a:endParaRPr lang="en-US" sz="5400"/>
           </a:p>
         </p:txBody>
       </p:sp>
@@ -3624,10 +3635,9 @@
           <a:lstStyle/>
           <a:p>
             <a:r>
-              <a:rPr lang="en-US" smtClean="0"/>
+              <a:rPr lang="en-US"/>
               <a:t>Quantitative Exploratory Data Analysis</a:t>
             </a:r>
-            <a:endParaRPr lang="en-US"/>
           </a:p>
         </p:txBody>
       </p:sp>
@@ -3661,58 +3671,10 @@
           <a:chExt cx="0" cy="0"/>
         </a:xfrm>
       </p:grpSpPr>
-      <p:sp>
-        <p:nvSpPr>
-          <p:cNvPr id="2" name="Title 1"/>
-          <p:cNvSpPr>
-            <a:spLocks noGrp="1"/>
-          </p:cNvSpPr>
-          <p:nvPr>
-            <p:ph type="title"/>
-          </p:nvPr>
-        </p:nvSpPr>
-        <p:spPr/>
-        <p:txBody>
-          <a:bodyPr>
-            <a:normAutofit/>
-          </a:bodyPr>
-          <a:lstStyle/>
-          <a:p>
-            <a:r>
-              <a:rPr lang="en-US" sz="5400" smtClean="0"/>
-              <a:t>Statistical Thinking in Python (Part1)</a:t>
-            </a:r>
-            <a:endParaRPr lang="en-US" sz="5400"/>
-          </a:p>
-        </p:txBody>
-      </p:sp>
-      <p:sp>
-        <p:nvSpPr>
-          <p:cNvPr id="4" name="Text Placeholder 3"/>
-          <p:cNvSpPr>
-            <a:spLocks noGrp="1"/>
-          </p:cNvSpPr>
-          <p:nvPr>
-            <p:ph type="body" idx="1"/>
-          </p:nvPr>
-        </p:nvSpPr>
-        <p:spPr/>
-        <p:txBody>
-          <a:bodyPr/>
-          <a:lstStyle/>
-          <a:p>
-            <a:r>
-              <a:rPr lang="en-US" smtClean="0"/>
-              <a:t>Thinking Probabilistically – Discrete Variables</a:t>
-            </a:r>
-            <a:endParaRPr lang="en-US"/>
-          </a:p>
-        </p:txBody>
-      </p:sp>
     </p:spTree>
     <p:extLst>
       <p:ext uri="{BB962C8B-B14F-4D97-AF65-F5344CB8AC3E}">
-        <p14:creationId xmlns:p14="http://schemas.microsoft.com/office/powerpoint/2010/main" val="3626264086"/>
+        <p14:creationId xmlns:p14="http://schemas.microsoft.com/office/powerpoint/2010/main" val="1979018576"/>
       </p:ext>
     </p:extLst>
   </p:cSld>
@@ -3757,10 +3719,9 @@
           <a:lstStyle/>
           <a:p>
             <a:r>
-              <a:rPr lang="en-US" sz="5400" smtClean="0"/>
+              <a:rPr lang="en-US" sz="5400"/>
               <a:t>Statistical Thinking in Python (Part1)</a:t>
             </a:r>
-            <a:endParaRPr lang="en-US" sz="5400"/>
           </a:p>
         </p:txBody>
       </p:sp>
@@ -3780,10 +3741,85 @@
           <a:lstStyle/>
           <a:p>
             <a:r>
-              <a:rPr lang="en-US" smtClean="0"/>
+              <a:rPr lang="en-US"/>
+              <a:t>Thinking Probabilistically – Discrete Variables</a:t>
+            </a:r>
+          </a:p>
+        </p:txBody>
+      </p:sp>
+    </p:spTree>
+    <p:extLst>
+      <p:ext uri="{BB962C8B-B14F-4D97-AF65-F5344CB8AC3E}">
+        <p14:creationId xmlns:p14="http://schemas.microsoft.com/office/powerpoint/2010/main" val="3626264086"/>
+      </p:ext>
+    </p:extLst>
+  </p:cSld>
+  <p:clrMapOvr>
+    <a:masterClrMapping/>
+  </p:clrMapOvr>
+</p:sld>
+</file>
+
+<file path=ppt/slides/slide7.xml><?xml version="1.0" encoding="utf-8"?>
+<p:sld xmlns:a="http://schemas.openxmlformats.org/drawingml/2006/main" xmlns:r="http://schemas.openxmlformats.org/officeDocument/2006/relationships" xmlns:p="http://schemas.openxmlformats.org/presentationml/2006/main">
+  <p:cSld>
+    <p:spTree>
+      <p:nvGrpSpPr>
+        <p:cNvPr id="1" name=""/>
+        <p:cNvGrpSpPr/>
+        <p:nvPr/>
+      </p:nvGrpSpPr>
+      <p:grpSpPr>
+        <a:xfrm>
+          <a:off x="0" y="0"/>
+          <a:ext cx="0" cy="0"/>
+          <a:chOff x="0" y="0"/>
+          <a:chExt cx="0" cy="0"/>
+        </a:xfrm>
+      </p:grpSpPr>
+      <p:sp>
+        <p:nvSpPr>
+          <p:cNvPr id="2" name="Title 1"/>
+          <p:cNvSpPr>
+            <a:spLocks noGrp="1"/>
+          </p:cNvSpPr>
+          <p:nvPr>
+            <p:ph type="title"/>
+          </p:nvPr>
+        </p:nvSpPr>
+        <p:spPr/>
+        <p:txBody>
+          <a:bodyPr>
+            <a:normAutofit/>
+          </a:bodyPr>
+          <a:lstStyle/>
+          <a:p>
+            <a:r>
+              <a:rPr lang="en-US" sz="5400"/>
+              <a:t>Statistical Thinking in Python (Part1)</a:t>
+            </a:r>
+          </a:p>
+        </p:txBody>
+      </p:sp>
+      <p:sp>
+        <p:nvSpPr>
+          <p:cNvPr id="4" name="Text Placeholder 3"/>
+          <p:cNvSpPr>
+            <a:spLocks noGrp="1"/>
+          </p:cNvSpPr>
+          <p:nvPr>
+            <p:ph type="body" idx="1"/>
+          </p:nvPr>
+        </p:nvSpPr>
+        <p:spPr/>
+        <p:txBody>
+          <a:bodyPr/>
+          <a:lstStyle/>
+          <a:p>
+            <a:r>
+              <a:rPr lang="en-US"/>
               <a:t>Thinking Probabilistically – Continuous Variables</a:t>
             </a:r>
-            <a:endParaRPr lang="en-US"/>
           </a:p>
         </p:txBody>
       </p:sp>
